--- a/cse106/slides/1. Propositional_Logic.pptx
+++ b/cse106/slides/1. Propositional_Logic.pptx
@@ -56,13 +56,14 @@
     <p:sldId id="308" r:id="rId50"/>
     <p:sldId id="309" r:id="rId51"/>
     <p:sldId id="310" r:id="rId52"/>
-    <p:sldId id="311" r:id="rId53"/>
-    <p:sldId id="312" r:id="rId54"/>
-    <p:sldId id="313" r:id="rId55"/>
-    <p:sldId id="314" r:id="rId56"/>
-    <p:sldId id="316" r:id="rId57"/>
-    <p:sldId id="317" r:id="rId58"/>
-    <p:sldId id="318" r:id="rId59"/>
+    <p:sldId id="319" r:id="rId53"/>
+    <p:sldId id="311" r:id="rId54"/>
+    <p:sldId id="312" r:id="rId55"/>
+    <p:sldId id="313" r:id="rId56"/>
+    <p:sldId id="314" r:id="rId57"/>
+    <p:sldId id="316" r:id="rId58"/>
+    <p:sldId id="317" r:id="rId59"/>
+    <p:sldId id="318" r:id="rId60"/>
   </p:sldIdLst>
   <p:sldSz cx="9144000" cy="6858000" type="screen4x3"/>
   <p:notesSz cx="6858000" cy="9144000"/>
@@ -362,7 +363,7 @@
             <a:fld id="{1D8BD707-D9CF-40AE-B4C6-C98DA3205C09}" type="datetimeFigureOut">
               <a:rPr lang="en-US" smtClean="0"/>
               <a:pPr/>
-              <a:t>7/6/2020</a:t>
+              <a:t>7/14/2020</a:t>
             </a:fld>
             <a:endParaRPr lang="en-US"/>
           </a:p>
@@ -529,7 +530,7 @@
             <a:fld id="{1D8BD707-D9CF-40AE-B4C6-C98DA3205C09}" type="datetimeFigureOut">
               <a:rPr lang="en-US" smtClean="0"/>
               <a:pPr/>
-              <a:t>7/6/2020</a:t>
+              <a:t>7/14/2020</a:t>
             </a:fld>
             <a:endParaRPr lang="en-US"/>
           </a:p>
@@ -706,7 +707,7 @@
             <a:fld id="{1D8BD707-D9CF-40AE-B4C6-C98DA3205C09}" type="datetimeFigureOut">
               <a:rPr lang="en-US" smtClean="0"/>
               <a:pPr/>
-              <a:t>7/6/2020</a:t>
+              <a:t>7/14/2020</a:t>
             </a:fld>
             <a:endParaRPr lang="en-US"/>
           </a:p>
@@ -873,7 +874,7 @@
             <a:fld id="{1D8BD707-D9CF-40AE-B4C6-C98DA3205C09}" type="datetimeFigureOut">
               <a:rPr lang="en-US" smtClean="0"/>
               <a:pPr/>
-              <a:t>7/6/2020</a:t>
+              <a:t>7/14/2020</a:t>
             </a:fld>
             <a:endParaRPr lang="en-US"/>
           </a:p>
@@ -1116,7 +1117,7 @@
             <a:fld id="{1D8BD707-D9CF-40AE-B4C6-C98DA3205C09}" type="datetimeFigureOut">
               <a:rPr lang="en-US" smtClean="0"/>
               <a:pPr/>
-              <a:t>7/6/2020</a:t>
+              <a:t>7/14/2020</a:t>
             </a:fld>
             <a:endParaRPr lang="en-US"/>
           </a:p>
@@ -1401,7 +1402,7 @@
             <a:fld id="{1D8BD707-D9CF-40AE-B4C6-C98DA3205C09}" type="datetimeFigureOut">
               <a:rPr lang="en-US" smtClean="0"/>
               <a:pPr/>
-              <a:t>7/6/2020</a:t>
+              <a:t>7/14/2020</a:t>
             </a:fld>
             <a:endParaRPr lang="en-US"/>
           </a:p>
@@ -1820,7 +1821,7 @@
             <a:fld id="{1D8BD707-D9CF-40AE-B4C6-C98DA3205C09}" type="datetimeFigureOut">
               <a:rPr lang="en-US" smtClean="0"/>
               <a:pPr/>
-              <a:t>7/6/2020</a:t>
+              <a:t>7/14/2020</a:t>
             </a:fld>
             <a:endParaRPr lang="en-US"/>
           </a:p>
@@ -1935,7 +1936,7 @@
             <a:fld id="{1D8BD707-D9CF-40AE-B4C6-C98DA3205C09}" type="datetimeFigureOut">
               <a:rPr lang="en-US" smtClean="0"/>
               <a:pPr/>
-              <a:t>7/6/2020</a:t>
+              <a:t>7/14/2020</a:t>
             </a:fld>
             <a:endParaRPr lang="en-US"/>
           </a:p>
@@ -2027,7 +2028,7 @@
             <a:fld id="{1D8BD707-D9CF-40AE-B4C6-C98DA3205C09}" type="datetimeFigureOut">
               <a:rPr lang="en-US" smtClean="0"/>
               <a:pPr/>
-              <a:t>7/6/2020</a:t>
+              <a:t>7/14/2020</a:t>
             </a:fld>
             <a:endParaRPr lang="en-US"/>
           </a:p>
@@ -2301,7 +2302,7 @@
             <a:fld id="{1D8BD707-D9CF-40AE-B4C6-C98DA3205C09}" type="datetimeFigureOut">
               <a:rPr lang="en-US" smtClean="0"/>
               <a:pPr/>
-              <a:t>7/6/2020</a:t>
+              <a:t>7/14/2020</a:t>
             </a:fld>
             <a:endParaRPr lang="en-US"/>
           </a:p>
@@ -2551,7 +2552,7 @@
             <a:fld id="{1D8BD707-D9CF-40AE-B4C6-C98DA3205C09}" type="datetimeFigureOut">
               <a:rPr lang="en-US" smtClean="0"/>
               <a:pPr/>
-              <a:t>7/6/2020</a:t>
+              <a:t>7/14/2020</a:t>
             </a:fld>
             <a:endParaRPr lang="en-US"/>
           </a:p>
@@ -2761,7 +2762,7 @@
             <a:fld id="{1D8BD707-D9CF-40AE-B4C6-C98DA3205C09}" type="datetimeFigureOut">
               <a:rPr lang="en-US" smtClean="0"/>
               <a:pPr/>
-              <a:t>7/6/2020</a:t>
+              <a:t>7/14/2020</a:t>
             </a:fld>
             <a:endParaRPr lang="en-US"/>
           </a:p>
@@ -23456,8 +23457,8 @@
         </p:nvSpPr>
         <p:spPr>
           <a:xfrm>
-            <a:off x="2362200" y="1371600"/>
-            <a:ext cx="4038600" cy="1752600"/>
+            <a:off x="1066800" y="1371600"/>
+            <a:ext cx="6553200" cy="1752600"/>
           </a:xfrm>
           <a:prstGeom prst="rect">
             <a:avLst/>
@@ -23974,17 +23975,8 @@
               <a:rPr lang="en-US" sz="2400" dirty="0">
                 <a:latin typeface="Comic Sans MS" panose="030F0702030302020204" pitchFamily="66" charset="0"/>
               </a:rPr>
-              <a:t>→ </a:t>
-            </a:r>
-            <a:r>
-              <a:rPr lang="en-US" sz="2400" dirty="0">
-                <a:latin typeface="Comic Sans MS" panose="030F0702030302020204" pitchFamily="66" charset="0"/>
-              </a:rPr>
-              <a:t>￢ b</a:t>
-            </a:r>
-            <a:endParaRPr lang="en-US" sz="2400" dirty="0">
-              <a:latin typeface="Comic Sans MS" panose="030F0702030302020204" pitchFamily="66" charset="0"/>
-            </a:endParaRPr>
+              <a:t>→ ￢ b</a:t>
+            </a:r>
           </a:p>
           <a:p>
             <a:pPr marL="0" indent="0" algn="ctr">
@@ -25608,16 +25600,10 @@
               <a:buNone/>
             </a:pPr>
             <a:r>
-              <a:rPr lang="en-US" sz="2400" dirty="0">
-                <a:latin typeface="Comic Sans MS" panose="030F0702030302020204" pitchFamily="66" charset="0"/>
-              </a:rPr>
-              <a:t>o</a:t>
-            </a:r>
-            <a:r>
               <a:rPr lang="en-US" sz="2400" dirty="0" smtClean="0">
                 <a:latin typeface="Comic Sans MS" panose="030F0702030302020204" pitchFamily="66" charset="0"/>
               </a:rPr>
-              <a:t>nly if </a:t>
+              <a:t>if </a:t>
             </a:r>
             <a:r>
               <a:rPr lang="en-US" sz="2400" dirty="0">
@@ -26588,12 +26574,18 @@
             </a:pPr>
             <a:r>
               <a:rPr lang="en-US" sz="2400" dirty="0">
+                <a:solidFill>
+                  <a:srgbClr val="00B050"/>
+                </a:solidFill>
                 <a:latin typeface="Comic Sans MS" panose="030F0702030302020204" pitchFamily="66" charset="0"/>
               </a:rPr>
               <a:t>o</a:t>
             </a:r>
             <a:r>
               <a:rPr lang="en-US" sz="2400" dirty="0" smtClean="0">
+                <a:solidFill>
+                  <a:srgbClr val="00B050"/>
+                </a:solidFill>
                 <a:latin typeface="Comic Sans MS" panose="030F0702030302020204" pitchFamily="66" charset="0"/>
               </a:rPr>
               <a:t>nly if </a:t>
@@ -26602,19 +26594,7 @@
               <a:rPr lang="en-US" sz="2400" dirty="0">
                 <a:latin typeface="Comic Sans MS" panose="030F0702030302020204" pitchFamily="66" charset="0"/>
               </a:rPr>
-              <a:t>you are a computer science major </a:t>
-            </a:r>
-            <a:r>
-              <a:rPr lang="en-US" sz="2400" dirty="0" smtClean="0">
-                <a:latin typeface="Comic Sans MS" panose="030F0702030302020204" pitchFamily="66" charset="0"/>
-              </a:rPr>
-              <a:t>but </a:t>
-            </a:r>
-            <a:r>
-              <a:rPr lang="en-US" sz="2400" dirty="0">
-                <a:latin typeface="Comic Sans MS" panose="030F0702030302020204" pitchFamily="66" charset="0"/>
-              </a:rPr>
-              <a:t>you</a:t>
+              <a:t>you are a computer science major or you</a:t>
             </a:r>
           </a:p>
           <a:p>
@@ -26971,26 +26951,17 @@
               <a:rPr lang="en-US" sz="2400" dirty="0" smtClean="0">
                 <a:latin typeface="Comic Sans MS" panose="030F0702030302020204" pitchFamily="66" charset="0"/>
               </a:rPr>
-              <a:t>a </a:t>
+              <a:t>c </a:t>
             </a:r>
             <a:r>
               <a:rPr lang="en-US" sz="2400" dirty="0">
                 <a:latin typeface="Comic Sans MS" panose="030F0702030302020204" pitchFamily="66" charset="0"/>
               </a:rPr>
-              <a:t>∧ </a:t>
-            </a:r>
-            <a:r>
-              <a:rPr lang="en-US" sz="2400" dirty="0" smtClean="0">
-                <a:latin typeface="Comic Sans MS" panose="030F0702030302020204" pitchFamily="66" charset="0"/>
-              </a:rPr>
-              <a:t>￢ b → </a:t>
-            </a:r>
-            <a:r>
-              <a:rPr lang="en-US" sz="2400" dirty="0">
-                <a:latin typeface="Comic Sans MS" panose="030F0702030302020204" pitchFamily="66" charset="0"/>
-              </a:rPr>
-              <a:t>c</a:t>
-            </a:r>
+              <a:t>→ a V ￢ b </a:t>
+            </a:r>
+            <a:endParaRPr lang="en-US" sz="2400" dirty="0">
+              <a:latin typeface="Comic Sans MS" panose="030F0702030302020204" pitchFamily="66" charset="0"/>
+            </a:endParaRPr>
           </a:p>
           <a:p>
             <a:pPr marL="0" indent="0" algn="ctr">
@@ -27006,7 +26977,7 @@
     </p:spTree>
     <p:extLst>
       <p:ext uri="{BB962C8B-B14F-4D97-AF65-F5344CB8AC3E}">
-        <p14:creationId xmlns:p14="http://schemas.microsoft.com/office/powerpoint/2010/main" val="514764973"/>
+        <p14:creationId xmlns:p14="http://schemas.microsoft.com/office/powerpoint/2010/main" val="4046318564"/>
       </p:ext>
     </p:extLst>
   </p:cSld>
@@ -27578,16 +27549,16 @@
               <a:buNone/>
             </a:pPr>
             <a:r>
-              <a:rPr lang="en-US" sz="2400" dirty="0" err="1" smtClean="0">
+              <a:rPr lang="en-US" sz="2400" dirty="0">
                 <a:latin typeface="Comic Sans MS" panose="030F0702030302020204" pitchFamily="66" charset="0"/>
               </a:rPr>
-              <a:t>iff</a:t>
+              <a:t>o</a:t>
             </a:r>
             <a:r>
               <a:rPr lang="en-US" sz="2400" dirty="0" smtClean="0">
                 <a:latin typeface="Comic Sans MS" panose="030F0702030302020204" pitchFamily="66" charset="0"/>
               </a:rPr>
-              <a:t> </a:t>
+              <a:t>nly if </a:t>
             </a:r>
             <a:r>
               <a:rPr lang="en-US" sz="2400" dirty="0">
@@ -27974,19 +27945,7 @@
               <a:rPr lang="en-US" sz="2400" dirty="0" smtClean="0">
                 <a:latin typeface="Comic Sans MS" panose="030F0702030302020204" pitchFamily="66" charset="0"/>
               </a:rPr>
-              <a:t>￢ b </a:t>
-            </a:r>
-            <a:r>
-              <a:rPr lang="en-US" sz="2400" dirty="0">
-                <a:latin typeface="Comic Sans MS" panose="030F0702030302020204" pitchFamily="66" charset="0"/>
-              </a:rPr>
-              <a:t>↔</a:t>
-            </a:r>
-            <a:r>
-              <a:rPr lang="en-US" sz="2400" dirty="0" smtClean="0">
-                <a:latin typeface="Comic Sans MS" panose="030F0702030302020204" pitchFamily="66" charset="0"/>
-              </a:rPr>
-              <a:t> </a:t>
+              <a:t>￢ b → </a:t>
             </a:r>
             <a:r>
               <a:rPr lang="en-US" sz="2400" dirty="0">
@@ -28009,7 +27968,7 @@
     </p:spTree>
     <p:extLst>
       <p:ext uri="{BB962C8B-B14F-4D97-AF65-F5344CB8AC3E}">
-        <p14:creationId xmlns:p14="http://schemas.microsoft.com/office/powerpoint/2010/main" val="2677761839"/>
+        <p14:creationId xmlns:p14="http://schemas.microsoft.com/office/powerpoint/2010/main" val="514764973"/>
       </p:ext>
     </p:extLst>
   </p:cSld>
@@ -28581,34 +28540,45 @@
               <a:buNone/>
             </a:pPr>
             <a:r>
+              <a:rPr lang="en-US" sz="2400" dirty="0" err="1" smtClean="0">
+                <a:latin typeface="Comic Sans MS" panose="030F0702030302020204" pitchFamily="66" charset="0"/>
+              </a:rPr>
+              <a:t>iff</a:t>
+            </a:r>
+            <a:r>
+              <a:rPr lang="en-US" sz="2400" dirty="0" smtClean="0">
+                <a:latin typeface="Comic Sans MS" panose="030F0702030302020204" pitchFamily="66" charset="0"/>
+              </a:rPr>
+              <a:t> </a:t>
+            </a:r>
+            <a:r>
               <a:rPr lang="en-US" sz="2400" dirty="0">
                 <a:latin typeface="Comic Sans MS" panose="030F0702030302020204" pitchFamily="66" charset="0"/>
               </a:rPr>
-              <a:t>i</a:t>
+              <a:t>you are a computer science major </a:t>
             </a:r>
             <a:r>
               <a:rPr lang="en-US" sz="2400" dirty="0" smtClean="0">
                 <a:latin typeface="Comic Sans MS" panose="030F0702030302020204" pitchFamily="66" charset="0"/>
               </a:rPr>
-              <a:t>f and only if you </a:t>
+              <a:t>but </a:t>
             </a:r>
             <a:r>
               <a:rPr lang="en-US" sz="2400" dirty="0">
                 <a:latin typeface="Comic Sans MS" panose="030F0702030302020204" pitchFamily="66" charset="0"/>
               </a:rPr>
-              <a:t>are a computer science major </a:t>
-            </a:r>
-            <a:r>
-              <a:rPr lang="en-US" sz="2400" dirty="0" smtClean="0">
-                <a:latin typeface="Comic Sans MS" panose="030F0702030302020204" pitchFamily="66" charset="0"/>
-              </a:rPr>
-              <a:t>but you are </a:t>
-            </a:r>
+              <a:t>you</a:t>
+            </a:r>
+          </a:p>
+          <a:p>
+            <a:pPr marL="0" indent="0">
+              <a:buNone/>
+            </a:pPr>
             <a:r>
               <a:rPr lang="en-US" sz="2400" dirty="0">
                 <a:latin typeface="Comic Sans MS" panose="030F0702030302020204" pitchFamily="66" charset="0"/>
               </a:rPr>
-              <a:t>not a </a:t>
+              <a:t>are not a </a:t>
             </a:r>
             <a:r>
               <a:rPr lang="en-US" sz="2400" dirty="0" smtClean="0">
@@ -29001,7 +28971,7 @@
     </p:spTree>
     <p:extLst>
       <p:ext uri="{BB962C8B-B14F-4D97-AF65-F5344CB8AC3E}">
-        <p14:creationId xmlns:p14="http://schemas.microsoft.com/office/powerpoint/2010/main" val="970049864"/>
+        <p14:creationId xmlns:p14="http://schemas.microsoft.com/office/powerpoint/2010/main" val="2677761839"/>
       </p:ext>
     </p:extLst>
   </p:cSld>
@@ -29261,6 +29231,998 @@
             <a:spLocks noGrp="1"/>
           </p:cNvSpPr>
           <p:nvPr>
+            <p:ph type="title"/>
+          </p:nvPr>
+        </p:nvSpPr>
+        <p:spPr/>
+        <p:txBody>
+          <a:bodyPr>
+            <a:normAutofit/>
+          </a:bodyPr>
+          <a:lstStyle/>
+          <a:p>
+            <a:pPr algn="l"/>
+            <a:r>
+              <a:rPr lang="en-US" sz="2400" dirty="0">
+                <a:latin typeface="Comic Sans MS" panose="030F0702030302020204" pitchFamily="66" charset="0"/>
+              </a:rPr>
+              <a:t>Translating into propositional logic</a:t>
+            </a:r>
+          </a:p>
+        </p:txBody>
+      </p:sp>
+      <p:sp>
+        <p:nvSpPr>
+          <p:cNvPr id="3" name="Content Placeholder 2"/>
+          <p:cNvSpPr>
+            <a:spLocks noGrp="1"/>
+          </p:cNvSpPr>
+          <p:nvPr>
+            <p:ph idx="1"/>
+          </p:nvPr>
+        </p:nvSpPr>
+        <p:spPr>
+          <a:xfrm>
+            <a:off x="1524000" y="3048000"/>
+            <a:ext cx="6172200" cy="1066799"/>
+          </a:xfrm>
+        </p:spPr>
+        <p:txBody>
+          <a:bodyPr>
+            <a:normAutofit fontScale="92500" lnSpcReduction="20000"/>
+          </a:bodyPr>
+          <a:lstStyle/>
+          <a:p>
+            <a:pPr marL="0" indent="0">
+              <a:buNone/>
+            </a:pPr>
+            <a:r>
+              <a:rPr lang="en-US" sz="2400" dirty="0">
+                <a:solidFill>
+                  <a:srgbClr val="00B0F0"/>
+                </a:solidFill>
+                <a:latin typeface="Comic Sans MS" panose="030F0702030302020204" pitchFamily="66" charset="0"/>
+              </a:rPr>
+              <a:t>a</a:t>
+            </a:r>
+            <a:r>
+              <a:rPr lang="en-US" sz="2400" dirty="0" smtClean="0">
+                <a:solidFill>
+                  <a:srgbClr val="00B0F0"/>
+                </a:solidFill>
+                <a:latin typeface="Comic Sans MS" panose="030F0702030302020204" pitchFamily="66" charset="0"/>
+              </a:rPr>
+              <a:t>: </a:t>
+            </a:r>
+            <a:r>
+              <a:rPr lang="en-US" sz="2400" dirty="0">
+                <a:latin typeface="Comic Sans MS" panose="030F0702030302020204" pitchFamily="66" charset="0"/>
+              </a:rPr>
+              <a:t>you are a computer science major </a:t>
+            </a:r>
+            <a:endParaRPr lang="en-US" sz="2400" dirty="0" smtClean="0">
+              <a:latin typeface="Comic Sans MS" panose="030F0702030302020204" pitchFamily="66" charset="0"/>
+            </a:endParaRPr>
+          </a:p>
+          <a:p>
+            <a:pPr marL="0" indent="0">
+              <a:buNone/>
+            </a:pPr>
+            <a:r>
+              <a:rPr lang="en-US" sz="2400" dirty="0" smtClean="0">
+                <a:solidFill>
+                  <a:srgbClr val="00B0F0"/>
+                </a:solidFill>
+                <a:latin typeface="Comic Sans MS" panose="030F0702030302020204" pitchFamily="66" charset="0"/>
+              </a:rPr>
+              <a:t>b: </a:t>
+            </a:r>
+            <a:r>
+              <a:rPr lang="en-US" sz="2400" dirty="0" smtClean="0">
+                <a:latin typeface="Comic Sans MS" panose="030F0702030302020204" pitchFamily="66" charset="0"/>
+              </a:rPr>
+              <a:t>you are a freshman</a:t>
+            </a:r>
+          </a:p>
+          <a:p>
+            <a:pPr marL="0" indent="0">
+              <a:buNone/>
+            </a:pPr>
+            <a:r>
+              <a:rPr lang="en-US" sz="2400" dirty="0" smtClean="0">
+                <a:solidFill>
+                  <a:srgbClr val="00B0F0"/>
+                </a:solidFill>
+                <a:latin typeface="Comic Sans MS" panose="030F0702030302020204" pitchFamily="66" charset="0"/>
+              </a:rPr>
+              <a:t>C:</a:t>
+            </a:r>
+            <a:r>
+              <a:rPr lang="en-US" sz="2400" dirty="0" smtClean="0">
+                <a:latin typeface="Comic Sans MS" panose="030F0702030302020204" pitchFamily="66" charset="0"/>
+              </a:rPr>
+              <a:t> you </a:t>
+            </a:r>
+            <a:r>
+              <a:rPr lang="en-US" sz="2400" dirty="0">
+                <a:latin typeface="Comic Sans MS" panose="030F0702030302020204" pitchFamily="66" charset="0"/>
+              </a:rPr>
+              <a:t>can access the Internet from </a:t>
+            </a:r>
+            <a:r>
+              <a:rPr lang="en-US" sz="2400" dirty="0" smtClean="0">
+                <a:latin typeface="Comic Sans MS" panose="030F0702030302020204" pitchFamily="66" charset="0"/>
+              </a:rPr>
+              <a:t>campus</a:t>
+            </a:r>
+            <a:endParaRPr lang="en-US" sz="2400" dirty="0">
+              <a:latin typeface="Comic Sans MS" panose="030F0702030302020204" pitchFamily="66" charset="0"/>
+            </a:endParaRPr>
+          </a:p>
+          <a:p>
+            <a:pPr marL="0" indent="0">
+              <a:buNone/>
+            </a:pPr>
+            <a:endParaRPr lang="en-US" sz="2400" dirty="0" smtClean="0">
+              <a:latin typeface="Comic Sans MS" panose="030F0702030302020204" pitchFamily="66" charset="0"/>
+            </a:endParaRPr>
+          </a:p>
+        </p:txBody>
+      </p:sp>
+      <p:sp>
+        <p:nvSpPr>
+          <p:cNvPr id="4" name="Content Placeholder 2"/>
+          <p:cNvSpPr txBox="1">
+            <a:spLocks/>
+          </p:cNvSpPr>
+          <p:nvPr/>
+        </p:nvSpPr>
+        <p:spPr>
+          <a:xfrm>
+            <a:off x="1219200" y="1371600"/>
+            <a:ext cx="7315200" cy="1447800"/>
+          </a:xfrm>
+          <a:prstGeom prst="rect">
+            <a:avLst/>
+          </a:prstGeom>
+        </p:spPr>
+        <p:txBody>
+          <a:bodyPr vert="horz" lIns="91440" tIns="45720" rIns="91440" bIns="45720" rtlCol="0">
+            <a:normAutofit/>
+          </a:bodyPr>
+          <a:lstStyle>
+            <a:lvl1pPr marL="342900" indent="-342900" algn="l" defTabSz="914400" rtl="0" eaLnBrk="1" latinLnBrk="0" hangingPunct="1">
+              <a:spcBef>
+                <a:spcPct val="20000"/>
+              </a:spcBef>
+              <a:buFont typeface="Arial" pitchFamily="34" charset="0"/>
+              <a:buChar char="•"/>
+              <a:defRPr sz="3200" kern="1200">
+                <a:solidFill>
+                  <a:schemeClr val="tx1"/>
+                </a:solidFill>
+                <a:latin typeface="+mn-lt"/>
+                <a:ea typeface="+mn-ea"/>
+                <a:cs typeface="+mn-cs"/>
+              </a:defRPr>
+            </a:lvl1pPr>
+            <a:lvl2pPr marL="742950" indent="-285750" algn="l" defTabSz="914400" rtl="0" eaLnBrk="1" latinLnBrk="0" hangingPunct="1">
+              <a:spcBef>
+                <a:spcPct val="20000"/>
+              </a:spcBef>
+              <a:buFont typeface="Arial" pitchFamily="34" charset="0"/>
+              <a:buChar char="–"/>
+              <a:defRPr sz="2800" kern="1200">
+                <a:solidFill>
+                  <a:schemeClr val="tx1"/>
+                </a:solidFill>
+                <a:latin typeface="+mn-lt"/>
+                <a:ea typeface="+mn-ea"/>
+                <a:cs typeface="+mn-cs"/>
+              </a:defRPr>
+            </a:lvl2pPr>
+            <a:lvl3pPr marL="1143000" indent="-228600" algn="l" defTabSz="914400" rtl="0" eaLnBrk="1" latinLnBrk="0" hangingPunct="1">
+              <a:spcBef>
+                <a:spcPct val="20000"/>
+              </a:spcBef>
+              <a:buFont typeface="Arial" pitchFamily="34" charset="0"/>
+              <a:buChar char="•"/>
+              <a:defRPr sz="2400" kern="1200">
+                <a:solidFill>
+                  <a:schemeClr val="tx1"/>
+                </a:solidFill>
+                <a:latin typeface="+mn-lt"/>
+                <a:ea typeface="+mn-ea"/>
+                <a:cs typeface="+mn-cs"/>
+              </a:defRPr>
+            </a:lvl3pPr>
+            <a:lvl4pPr marL="1600200" indent="-228600" algn="l" defTabSz="914400" rtl="0" eaLnBrk="1" latinLnBrk="0" hangingPunct="1">
+              <a:spcBef>
+                <a:spcPct val="20000"/>
+              </a:spcBef>
+              <a:buFont typeface="Arial" pitchFamily="34" charset="0"/>
+              <a:buChar char="–"/>
+              <a:defRPr sz="2000" kern="1200">
+                <a:solidFill>
+                  <a:schemeClr val="tx1"/>
+                </a:solidFill>
+                <a:latin typeface="+mn-lt"/>
+                <a:ea typeface="+mn-ea"/>
+                <a:cs typeface="+mn-cs"/>
+              </a:defRPr>
+            </a:lvl4pPr>
+            <a:lvl5pPr marL="2057400" indent="-228600" algn="l" defTabSz="914400" rtl="0" eaLnBrk="1" latinLnBrk="0" hangingPunct="1">
+              <a:spcBef>
+                <a:spcPct val="20000"/>
+              </a:spcBef>
+              <a:buFont typeface="Arial" pitchFamily="34" charset="0"/>
+              <a:buChar char="»"/>
+              <a:defRPr sz="2000" kern="1200">
+                <a:solidFill>
+                  <a:schemeClr val="tx1"/>
+                </a:solidFill>
+                <a:latin typeface="+mn-lt"/>
+                <a:ea typeface="+mn-ea"/>
+                <a:cs typeface="+mn-cs"/>
+              </a:defRPr>
+            </a:lvl5pPr>
+            <a:lvl6pPr marL="2514600" indent="-228600" algn="l" defTabSz="914400" rtl="0" eaLnBrk="1" latinLnBrk="0" hangingPunct="1">
+              <a:spcBef>
+                <a:spcPct val="20000"/>
+              </a:spcBef>
+              <a:buFont typeface="Arial" pitchFamily="34" charset="0"/>
+              <a:buChar char="•"/>
+              <a:defRPr sz="2000" kern="1200">
+                <a:solidFill>
+                  <a:schemeClr val="tx1"/>
+                </a:solidFill>
+                <a:latin typeface="+mn-lt"/>
+                <a:ea typeface="+mn-ea"/>
+                <a:cs typeface="+mn-cs"/>
+              </a:defRPr>
+            </a:lvl6pPr>
+            <a:lvl7pPr marL="2971800" indent="-228600" algn="l" defTabSz="914400" rtl="0" eaLnBrk="1" latinLnBrk="0" hangingPunct="1">
+              <a:spcBef>
+                <a:spcPct val="20000"/>
+              </a:spcBef>
+              <a:buFont typeface="Arial" pitchFamily="34" charset="0"/>
+              <a:buChar char="•"/>
+              <a:defRPr sz="2000" kern="1200">
+                <a:solidFill>
+                  <a:schemeClr val="tx1"/>
+                </a:solidFill>
+                <a:latin typeface="+mn-lt"/>
+                <a:ea typeface="+mn-ea"/>
+                <a:cs typeface="+mn-cs"/>
+              </a:defRPr>
+            </a:lvl7pPr>
+            <a:lvl8pPr marL="3429000" indent="-228600" algn="l" defTabSz="914400" rtl="0" eaLnBrk="1" latinLnBrk="0" hangingPunct="1">
+              <a:spcBef>
+                <a:spcPct val="20000"/>
+              </a:spcBef>
+              <a:buFont typeface="Arial" pitchFamily="34" charset="0"/>
+              <a:buChar char="•"/>
+              <a:defRPr sz="2000" kern="1200">
+                <a:solidFill>
+                  <a:schemeClr val="tx1"/>
+                </a:solidFill>
+                <a:latin typeface="+mn-lt"/>
+                <a:ea typeface="+mn-ea"/>
+                <a:cs typeface="+mn-cs"/>
+              </a:defRPr>
+            </a:lvl8pPr>
+            <a:lvl9pPr marL="3886200" indent="-228600" algn="l" defTabSz="914400" rtl="0" eaLnBrk="1" latinLnBrk="0" hangingPunct="1">
+              <a:spcBef>
+                <a:spcPct val="20000"/>
+              </a:spcBef>
+              <a:buFont typeface="Arial" pitchFamily="34" charset="0"/>
+              <a:buChar char="•"/>
+              <a:defRPr sz="2000" kern="1200">
+                <a:solidFill>
+                  <a:schemeClr val="tx1"/>
+                </a:solidFill>
+                <a:latin typeface="+mn-lt"/>
+                <a:ea typeface="+mn-ea"/>
+                <a:cs typeface="+mn-cs"/>
+              </a:defRPr>
+            </a:lvl9pPr>
+          </a:lstStyle>
+          <a:p>
+            <a:pPr marL="0" indent="0">
+              <a:buNone/>
+            </a:pPr>
+            <a:r>
+              <a:rPr lang="en-US" sz="2400" dirty="0">
+                <a:latin typeface="Comic Sans MS" panose="030F0702030302020204" pitchFamily="66" charset="0"/>
+              </a:rPr>
+              <a:t>you can access the Internet from campus</a:t>
+            </a:r>
+          </a:p>
+          <a:p>
+            <a:pPr marL="0" indent="0">
+              <a:buNone/>
+            </a:pPr>
+            <a:r>
+              <a:rPr lang="en-US" sz="2400" dirty="0">
+                <a:latin typeface="Comic Sans MS" panose="030F0702030302020204" pitchFamily="66" charset="0"/>
+              </a:rPr>
+              <a:t>i</a:t>
+            </a:r>
+            <a:r>
+              <a:rPr lang="en-US" sz="2400" dirty="0" smtClean="0">
+                <a:latin typeface="Comic Sans MS" panose="030F0702030302020204" pitchFamily="66" charset="0"/>
+              </a:rPr>
+              <a:t>f and only if you </a:t>
+            </a:r>
+            <a:r>
+              <a:rPr lang="en-US" sz="2400" dirty="0">
+                <a:latin typeface="Comic Sans MS" panose="030F0702030302020204" pitchFamily="66" charset="0"/>
+              </a:rPr>
+              <a:t>are a computer science major </a:t>
+            </a:r>
+            <a:r>
+              <a:rPr lang="en-US" sz="2400" dirty="0" smtClean="0">
+                <a:latin typeface="Comic Sans MS" panose="030F0702030302020204" pitchFamily="66" charset="0"/>
+              </a:rPr>
+              <a:t>but you are </a:t>
+            </a:r>
+            <a:r>
+              <a:rPr lang="en-US" sz="2400" dirty="0">
+                <a:latin typeface="Comic Sans MS" panose="030F0702030302020204" pitchFamily="66" charset="0"/>
+              </a:rPr>
+              <a:t>not a </a:t>
+            </a:r>
+            <a:r>
+              <a:rPr lang="en-US" sz="2400" dirty="0" smtClean="0">
+                <a:latin typeface="Comic Sans MS" panose="030F0702030302020204" pitchFamily="66" charset="0"/>
+              </a:rPr>
+              <a:t>freshman, </a:t>
+            </a:r>
+          </a:p>
+        </p:txBody>
+      </p:sp>
+      <p:sp>
+        <p:nvSpPr>
+          <p:cNvPr id="5" name="Content Placeholder 2"/>
+          <p:cNvSpPr txBox="1">
+            <a:spLocks/>
+          </p:cNvSpPr>
+          <p:nvPr/>
+        </p:nvSpPr>
+        <p:spPr>
+          <a:xfrm>
+            <a:off x="2438400" y="4724400"/>
+            <a:ext cx="4038600" cy="1752600"/>
+          </a:xfrm>
+          <a:prstGeom prst="rect">
+            <a:avLst/>
+          </a:prstGeom>
+        </p:spPr>
+        <p:txBody>
+          <a:bodyPr vert="horz" lIns="91440" tIns="45720" rIns="91440" bIns="45720" rtlCol="0">
+            <a:normAutofit/>
+          </a:bodyPr>
+          <a:lstStyle>
+            <a:lvl1pPr marL="342900" indent="-342900" algn="l" defTabSz="914400" rtl="0" eaLnBrk="1" latinLnBrk="0" hangingPunct="1">
+              <a:spcBef>
+                <a:spcPct val="20000"/>
+              </a:spcBef>
+              <a:buFont typeface="Arial" pitchFamily="34" charset="0"/>
+              <a:buChar char="•"/>
+              <a:defRPr sz="3200" kern="1200">
+                <a:solidFill>
+                  <a:schemeClr val="tx1"/>
+                </a:solidFill>
+                <a:latin typeface="+mn-lt"/>
+                <a:ea typeface="+mn-ea"/>
+                <a:cs typeface="+mn-cs"/>
+              </a:defRPr>
+            </a:lvl1pPr>
+            <a:lvl2pPr marL="742950" indent="-285750" algn="l" defTabSz="914400" rtl="0" eaLnBrk="1" latinLnBrk="0" hangingPunct="1">
+              <a:spcBef>
+                <a:spcPct val="20000"/>
+              </a:spcBef>
+              <a:buFont typeface="Arial" pitchFamily="34" charset="0"/>
+              <a:buChar char="–"/>
+              <a:defRPr sz="2800" kern="1200">
+                <a:solidFill>
+                  <a:schemeClr val="tx1"/>
+                </a:solidFill>
+                <a:latin typeface="+mn-lt"/>
+                <a:ea typeface="+mn-ea"/>
+                <a:cs typeface="+mn-cs"/>
+              </a:defRPr>
+            </a:lvl2pPr>
+            <a:lvl3pPr marL="1143000" indent="-228600" algn="l" defTabSz="914400" rtl="0" eaLnBrk="1" latinLnBrk="0" hangingPunct="1">
+              <a:spcBef>
+                <a:spcPct val="20000"/>
+              </a:spcBef>
+              <a:buFont typeface="Arial" pitchFamily="34" charset="0"/>
+              <a:buChar char="•"/>
+              <a:defRPr sz="2400" kern="1200">
+                <a:solidFill>
+                  <a:schemeClr val="tx1"/>
+                </a:solidFill>
+                <a:latin typeface="+mn-lt"/>
+                <a:ea typeface="+mn-ea"/>
+                <a:cs typeface="+mn-cs"/>
+              </a:defRPr>
+            </a:lvl3pPr>
+            <a:lvl4pPr marL="1600200" indent="-228600" algn="l" defTabSz="914400" rtl="0" eaLnBrk="1" latinLnBrk="0" hangingPunct="1">
+              <a:spcBef>
+                <a:spcPct val="20000"/>
+              </a:spcBef>
+              <a:buFont typeface="Arial" pitchFamily="34" charset="0"/>
+              <a:buChar char="–"/>
+              <a:defRPr sz="2000" kern="1200">
+                <a:solidFill>
+                  <a:schemeClr val="tx1"/>
+                </a:solidFill>
+                <a:latin typeface="+mn-lt"/>
+                <a:ea typeface="+mn-ea"/>
+                <a:cs typeface="+mn-cs"/>
+              </a:defRPr>
+            </a:lvl4pPr>
+            <a:lvl5pPr marL="2057400" indent="-228600" algn="l" defTabSz="914400" rtl="0" eaLnBrk="1" latinLnBrk="0" hangingPunct="1">
+              <a:spcBef>
+                <a:spcPct val="20000"/>
+              </a:spcBef>
+              <a:buFont typeface="Arial" pitchFamily="34" charset="0"/>
+              <a:buChar char="»"/>
+              <a:defRPr sz="2000" kern="1200">
+                <a:solidFill>
+                  <a:schemeClr val="tx1"/>
+                </a:solidFill>
+                <a:latin typeface="+mn-lt"/>
+                <a:ea typeface="+mn-ea"/>
+                <a:cs typeface="+mn-cs"/>
+              </a:defRPr>
+            </a:lvl5pPr>
+            <a:lvl6pPr marL="2514600" indent="-228600" algn="l" defTabSz="914400" rtl="0" eaLnBrk="1" latinLnBrk="0" hangingPunct="1">
+              <a:spcBef>
+                <a:spcPct val="20000"/>
+              </a:spcBef>
+              <a:buFont typeface="Arial" pitchFamily="34" charset="0"/>
+              <a:buChar char="•"/>
+              <a:defRPr sz="2000" kern="1200">
+                <a:solidFill>
+                  <a:schemeClr val="tx1"/>
+                </a:solidFill>
+                <a:latin typeface="+mn-lt"/>
+                <a:ea typeface="+mn-ea"/>
+                <a:cs typeface="+mn-cs"/>
+              </a:defRPr>
+            </a:lvl6pPr>
+            <a:lvl7pPr marL="2971800" indent="-228600" algn="l" defTabSz="914400" rtl="0" eaLnBrk="1" latinLnBrk="0" hangingPunct="1">
+              <a:spcBef>
+                <a:spcPct val="20000"/>
+              </a:spcBef>
+              <a:buFont typeface="Arial" pitchFamily="34" charset="0"/>
+              <a:buChar char="•"/>
+              <a:defRPr sz="2000" kern="1200">
+                <a:solidFill>
+                  <a:schemeClr val="tx1"/>
+                </a:solidFill>
+                <a:latin typeface="+mn-lt"/>
+                <a:ea typeface="+mn-ea"/>
+                <a:cs typeface="+mn-cs"/>
+              </a:defRPr>
+            </a:lvl7pPr>
+            <a:lvl8pPr marL="3429000" indent="-228600" algn="l" defTabSz="914400" rtl="0" eaLnBrk="1" latinLnBrk="0" hangingPunct="1">
+              <a:spcBef>
+                <a:spcPct val="20000"/>
+              </a:spcBef>
+              <a:buFont typeface="Arial" pitchFamily="34" charset="0"/>
+              <a:buChar char="•"/>
+              <a:defRPr sz="2000" kern="1200">
+                <a:solidFill>
+                  <a:schemeClr val="tx1"/>
+                </a:solidFill>
+                <a:latin typeface="+mn-lt"/>
+                <a:ea typeface="+mn-ea"/>
+                <a:cs typeface="+mn-cs"/>
+              </a:defRPr>
+            </a:lvl8pPr>
+            <a:lvl9pPr marL="3886200" indent="-228600" algn="l" defTabSz="914400" rtl="0" eaLnBrk="1" latinLnBrk="0" hangingPunct="1">
+              <a:spcBef>
+                <a:spcPct val="20000"/>
+              </a:spcBef>
+              <a:buFont typeface="Arial" pitchFamily="34" charset="0"/>
+              <a:buChar char="•"/>
+              <a:defRPr sz="2000" kern="1200">
+                <a:solidFill>
+                  <a:schemeClr val="tx1"/>
+                </a:solidFill>
+                <a:latin typeface="+mn-lt"/>
+                <a:ea typeface="+mn-ea"/>
+                <a:cs typeface="+mn-cs"/>
+              </a:defRPr>
+            </a:lvl9pPr>
+          </a:lstStyle>
+          <a:p>
+            <a:pPr marL="0" indent="0" algn="ctr">
+              <a:buFont typeface="Arial" pitchFamily="34" charset="0"/>
+              <a:buNone/>
+            </a:pPr>
+            <a:endParaRPr lang="en-US" sz="2400" dirty="0" smtClean="0">
+              <a:latin typeface="Comic Sans MS" panose="030F0702030302020204" pitchFamily="66" charset="0"/>
+            </a:endParaRPr>
+          </a:p>
+        </p:txBody>
+      </p:sp>
+      <p:sp>
+        <p:nvSpPr>
+          <p:cNvPr id="6" name="Content Placeholder 2"/>
+          <p:cNvSpPr txBox="1">
+            <a:spLocks/>
+          </p:cNvSpPr>
+          <p:nvPr/>
+        </p:nvSpPr>
+        <p:spPr>
+          <a:xfrm>
+            <a:off x="2362200" y="4800600"/>
+            <a:ext cx="4038600" cy="685800"/>
+          </a:xfrm>
+          <a:prstGeom prst="rect">
+            <a:avLst/>
+          </a:prstGeom>
+        </p:spPr>
+        <p:txBody>
+          <a:bodyPr vert="horz" lIns="91440" tIns="45720" rIns="91440" bIns="45720" rtlCol="0">
+            <a:normAutofit/>
+          </a:bodyPr>
+          <a:lstStyle>
+            <a:lvl1pPr marL="342900" indent="-342900" algn="l" defTabSz="914400" rtl="0" eaLnBrk="1" latinLnBrk="0" hangingPunct="1">
+              <a:spcBef>
+                <a:spcPct val="20000"/>
+              </a:spcBef>
+              <a:buFont typeface="Arial" pitchFamily="34" charset="0"/>
+              <a:buChar char="•"/>
+              <a:defRPr sz="3200" kern="1200">
+                <a:solidFill>
+                  <a:schemeClr val="tx1"/>
+                </a:solidFill>
+                <a:latin typeface="+mn-lt"/>
+                <a:ea typeface="+mn-ea"/>
+                <a:cs typeface="+mn-cs"/>
+              </a:defRPr>
+            </a:lvl1pPr>
+            <a:lvl2pPr marL="742950" indent="-285750" algn="l" defTabSz="914400" rtl="0" eaLnBrk="1" latinLnBrk="0" hangingPunct="1">
+              <a:spcBef>
+                <a:spcPct val="20000"/>
+              </a:spcBef>
+              <a:buFont typeface="Arial" pitchFamily="34" charset="0"/>
+              <a:buChar char="–"/>
+              <a:defRPr sz="2800" kern="1200">
+                <a:solidFill>
+                  <a:schemeClr val="tx1"/>
+                </a:solidFill>
+                <a:latin typeface="+mn-lt"/>
+                <a:ea typeface="+mn-ea"/>
+                <a:cs typeface="+mn-cs"/>
+              </a:defRPr>
+            </a:lvl2pPr>
+            <a:lvl3pPr marL="1143000" indent="-228600" algn="l" defTabSz="914400" rtl="0" eaLnBrk="1" latinLnBrk="0" hangingPunct="1">
+              <a:spcBef>
+                <a:spcPct val="20000"/>
+              </a:spcBef>
+              <a:buFont typeface="Arial" pitchFamily="34" charset="0"/>
+              <a:buChar char="•"/>
+              <a:defRPr sz="2400" kern="1200">
+                <a:solidFill>
+                  <a:schemeClr val="tx1"/>
+                </a:solidFill>
+                <a:latin typeface="+mn-lt"/>
+                <a:ea typeface="+mn-ea"/>
+                <a:cs typeface="+mn-cs"/>
+              </a:defRPr>
+            </a:lvl3pPr>
+            <a:lvl4pPr marL="1600200" indent="-228600" algn="l" defTabSz="914400" rtl="0" eaLnBrk="1" latinLnBrk="0" hangingPunct="1">
+              <a:spcBef>
+                <a:spcPct val="20000"/>
+              </a:spcBef>
+              <a:buFont typeface="Arial" pitchFamily="34" charset="0"/>
+              <a:buChar char="–"/>
+              <a:defRPr sz="2000" kern="1200">
+                <a:solidFill>
+                  <a:schemeClr val="tx1"/>
+                </a:solidFill>
+                <a:latin typeface="+mn-lt"/>
+                <a:ea typeface="+mn-ea"/>
+                <a:cs typeface="+mn-cs"/>
+              </a:defRPr>
+            </a:lvl4pPr>
+            <a:lvl5pPr marL="2057400" indent="-228600" algn="l" defTabSz="914400" rtl="0" eaLnBrk="1" latinLnBrk="0" hangingPunct="1">
+              <a:spcBef>
+                <a:spcPct val="20000"/>
+              </a:spcBef>
+              <a:buFont typeface="Arial" pitchFamily="34" charset="0"/>
+              <a:buChar char="»"/>
+              <a:defRPr sz="2000" kern="1200">
+                <a:solidFill>
+                  <a:schemeClr val="tx1"/>
+                </a:solidFill>
+                <a:latin typeface="+mn-lt"/>
+                <a:ea typeface="+mn-ea"/>
+                <a:cs typeface="+mn-cs"/>
+              </a:defRPr>
+            </a:lvl5pPr>
+            <a:lvl6pPr marL="2514600" indent="-228600" algn="l" defTabSz="914400" rtl="0" eaLnBrk="1" latinLnBrk="0" hangingPunct="1">
+              <a:spcBef>
+                <a:spcPct val="20000"/>
+              </a:spcBef>
+              <a:buFont typeface="Arial" pitchFamily="34" charset="0"/>
+              <a:buChar char="•"/>
+              <a:defRPr sz="2000" kern="1200">
+                <a:solidFill>
+                  <a:schemeClr val="tx1"/>
+                </a:solidFill>
+                <a:latin typeface="+mn-lt"/>
+                <a:ea typeface="+mn-ea"/>
+                <a:cs typeface="+mn-cs"/>
+              </a:defRPr>
+            </a:lvl6pPr>
+            <a:lvl7pPr marL="2971800" indent="-228600" algn="l" defTabSz="914400" rtl="0" eaLnBrk="1" latinLnBrk="0" hangingPunct="1">
+              <a:spcBef>
+                <a:spcPct val="20000"/>
+              </a:spcBef>
+              <a:buFont typeface="Arial" pitchFamily="34" charset="0"/>
+              <a:buChar char="•"/>
+              <a:defRPr sz="2000" kern="1200">
+                <a:solidFill>
+                  <a:schemeClr val="tx1"/>
+                </a:solidFill>
+                <a:latin typeface="+mn-lt"/>
+                <a:ea typeface="+mn-ea"/>
+                <a:cs typeface="+mn-cs"/>
+              </a:defRPr>
+            </a:lvl7pPr>
+            <a:lvl8pPr marL="3429000" indent="-228600" algn="l" defTabSz="914400" rtl="0" eaLnBrk="1" latinLnBrk="0" hangingPunct="1">
+              <a:spcBef>
+                <a:spcPct val="20000"/>
+              </a:spcBef>
+              <a:buFont typeface="Arial" pitchFamily="34" charset="0"/>
+              <a:buChar char="•"/>
+              <a:defRPr sz="2000" kern="1200">
+                <a:solidFill>
+                  <a:schemeClr val="tx1"/>
+                </a:solidFill>
+                <a:latin typeface="+mn-lt"/>
+                <a:ea typeface="+mn-ea"/>
+                <a:cs typeface="+mn-cs"/>
+              </a:defRPr>
+            </a:lvl8pPr>
+            <a:lvl9pPr marL="3886200" indent="-228600" algn="l" defTabSz="914400" rtl="0" eaLnBrk="1" latinLnBrk="0" hangingPunct="1">
+              <a:spcBef>
+                <a:spcPct val="20000"/>
+              </a:spcBef>
+              <a:buFont typeface="Arial" pitchFamily="34" charset="0"/>
+              <a:buChar char="•"/>
+              <a:defRPr sz="2000" kern="1200">
+                <a:solidFill>
+                  <a:schemeClr val="tx1"/>
+                </a:solidFill>
+                <a:latin typeface="+mn-lt"/>
+                <a:ea typeface="+mn-ea"/>
+                <a:cs typeface="+mn-cs"/>
+              </a:defRPr>
+            </a:lvl9pPr>
+          </a:lstStyle>
+          <a:p>
+            <a:pPr marL="0" indent="0" algn="ctr">
+              <a:buNone/>
+            </a:pPr>
+            <a:r>
+              <a:rPr lang="en-US" sz="2400" dirty="0" smtClean="0">
+                <a:latin typeface="Comic Sans MS" panose="030F0702030302020204" pitchFamily="66" charset="0"/>
+              </a:rPr>
+              <a:t>a </a:t>
+            </a:r>
+            <a:r>
+              <a:rPr lang="en-US" sz="2400" dirty="0">
+                <a:latin typeface="Comic Sans MS" panose="030F0702030302020204" pitchFamily="66" charset="0"/>
+              </a:rPr>
+              <a:t>∧ </a:t>
+            </a:r>
+            <a:r>
+              <a:rPr lang="en-US" sz="2400" dirty="0" smtClean="0">
+                <a:latin typeface="Comic Sans MS" panose="030F0702030302020204" pitchFamily="66" charset="0"/>
+              </a:rPr>
+              <a:t>￢ b </a:t>
+            </a:r>
+            <a:r>
+              <a:rPr lang="en-US" sz="2400" dirty="0">
+                <a:latin typeface="Comic Sans MS" panose="030F0702030302020204" pitchFamily="66" charset="0"/>
+              </a:rPr>
+              <a:t>↔</a:t>
+            </a:r>
+            <a:r>
+              <a:rPr lang="en-US" sz="2400" dirty="0" smtClean="0">
+                <a:latin typeface="Comic Sans MS" panose="030F0702030302020204" pitchFamily="66" charset="0"/>
+              </a:rPr>
+              <a:t> </a:t>
+            </a:r>
+            <a:r>
+              <a:rPr lang="en-US" sz="2400" dirty="0">
+                <a:latin typeface="Comic Sans MS" panose="030F0702030302020204" pitchFamily="66" charset="0"/>
+              </a:rPr>
+              <a:t>c</a:t>
+            </a:r>
+          </a:p>
+          <a:p>
+            <a:pPr marL="0" indent="0" algn="ctr">
+              <a:buFont typeface="Arial" pitchFamily="34" charset="0"/>
+              <a:buNone/>
+            </a:pPr>
+            <a:endParaRPr lang="en-US" sz="2400" dirty="0" smtClean="0">
+              <a:latin typeface="Comic Sans MS" pitchFamily="66" charset="0"/>
+            </a:endParaRPr>
+          </a:p>
+        </p:txBody>
+      </p:sp>
+    </p:spTree>
+    <p:extLst>
+      <p:ext uri="{BB962C8B-B14F-4D97-AF65-F5344CB8AC3E}">
+        <p14:creationId xmlns:p14="http://schemas.microsoft.com/office/powerpoint/2010/main" val="970049864"/>
+      </p:ext>
+    </p:extLst>
+  </p:cSld>
+  <p:clrMapOvr>
+    <a:masterClrMapping/>
+  </p:clrMapOvr>
+  <p:timing>
+    <p:tnLst>
+      <p:par>
+        <p:cTn id="1" dur="indefinite" restart="never" nodeType="tmRoot">
+          <p:childTnLst>
+            <p:seq concurrent="1" nextAc="seek">
+              <p:cTn id="2" dur="indefinite" nodeType="mainSeq">
+                <p:childTnLst>
+                  <p:par>
+                    <p:cTn id="3" fill="hold">
+                      <p:stCondLst>
+                        <p:cond delay="indefinite"/>
+                      </p:stCondLst>
+                      <p:childTnLst>
+                        <p:par>
+                          <p:cTn id="4" fill="hold">
+                            <p:stCondLst>
+                              <p:cond delay="0"/>
+                            </p:stCondLst>
+                            <p:childTnLst>
+                              <p:par>
+                                <p:cTn id="5" presetID="1" presetClass="entr" presetSubtype="0" fill="hold" grpId="0" nodeType="clickEffect">
+                                  <p:stCondLst>
+                                    <p:cond delay="0"/>
+                                  </p:stCondLst>
+                                  <p:childTnLst>
+                                    <p:set>
+                                      <p:cBhvr>
+                                        <p:cTn id="6" dur="1" fill="hold">
+                                          <p:stCondLst>
+                                            <p:cond delay="0"/>
+                                          </p:stCondLst>
+                                        </p:cTn>
+                                        <p:tgtEl>
+                                          <p:spTgt spid="3">
+                                            <p:txEl>
+                                              <p:pRg st="0" end="0"/>
+                                            </p:txEl>
+                                          </p:spTgt>
+                                        </p:tgtEl>
+                                        <p:attrNameLst>
+                                          <p:attrName>style.visibility</p:attrName>
+                                        </p:attrNameLst>
+                                      </p:cBhvr>
+                                      <p:to>
+                                        <p:strVal val="visible"/>
+                                      </p:to>
+                                    </p:set>
+                                  </p:childTnLst>
+                                </p:cTn>
+                              </p:par>
+                            </p:childTnLst>
+                          </p:cTn>
+                        </p:par>
+                      </p:childTnLst>
+                    </p:cTn>
+                  </p:par>
+                  <p:par>
+                    <p:cTn id="7" fill="hold">
+                      <p:stCondLst>
+                        <p:cond delay="indefinite"/>
+                      </p:stCondLst>
+                      <p:childTnLst>
+                        <p:par>
+                          <p:cTn id="8" fill="hold">
+                            <p:stCondLst>
+                              <p:cond delay="0"/>
+                            </p:stCondLst>
+                            <p:childTnLst>
+                              <p:par>
+                                <p:cTn id="9" presetID="1" presetClass="entr" presetSubtype="0" fill="hold" grpId="0" nodeType="clickEffect">
+                                  <p:stCondLst>
+                                    <p:cond delay="0"/>
+                                  </p:stCondLst>
+                                  <p:childTnLst>
+                                    <p:set>
+                                      <p:cBhvr>
+                                        <p:cTn id="10" dur="1" fill="hold">
+                                          <p:stCondLst>
+                                            <p:cond delay="0"/>
+                                          </p:stCondLst>
+                                        </p:cTn>
+                                        <p:tgtEl>
+                                          <p:spTgt spid="3">
+                                            <p:txEl>
+                                              <p:pRg st="1" end="1"/>
+                                            </p:txEl>
+                                          </p:spTgt>
+                                        </p:tgtEl>
+                                        <p:attrNameLst>
+                                          <p:attrName>style.visibility</p:attrName>
+                                        </p:attrNameLst>
+                                      </p:cBhvr>
+                                      <p:to>
+                                        <p:strVal val="visible"/>
+                                      </p:to>
+                                    </p:set>
+                                  </p:childTnLst>
+                                </p:cTn>
+                              </p:par>
+                            </p:childTnLst>
+                          </p:cTn>
+                        </p:par>
+                      </p:childTnLst>
+                    </p:cTn>
+                  </p:par>
+                  <p:par>
+                    <p:cTn id="11" fill="hold">
+                      <p:stCondLst>
+                        <p:cond delay="indefinite"/>
+                      </p:stCondLst>
+                      <p:childTnLst>
+                        <p:par>
+                          <p:cTn id="12" fill="hold">
+                            <p:stCondLst>
+                              <p:cond delay="0"/>
+                            </p:stCondLst>
+                            <p:childTnLst>
+                              <p:par>
+                                <p:cTn id="13" presetID="1" presetClass="entr" presetSubtype="0" fill="hold" grpId="0" nodeType="clickEffect">
+                                  <p:stCondLst>
+                                    <p:cond delay="0"/>
+                                  </p:stCondLst>
+                                  <p:childTnLst>
+                                    <p:set>
+                                      <p:cBhvr>
+                                        <p:cTn id="14" dur="1" fill="hold">
+                                          <p:stCondLst>
+                                            <p:cond delay="0"/>
+                                          </p:stCondLst>
+                                        </p:cTn>
+                                        <p:tgtEl>
+                                          <p:spTgt spid="3">
+                                            <p:txEl>
+                                              <p:pRg st="2" end="2"/>
+                                            </p:txEl>
+                                          </p:spTgt>
+                                        </p:tgtEl>
+                                        <p:attrNameLst>
+                                          <p:attrName>style.visibility</p:attrName>
+                                        </p:attrNameLst>
+                                      </p:cBhvr>
+                                      <p:to>
+                                        <p:strVal val="visible"/>
+                                      </p:to>
+                                    </p:set>
+                                  </p:childTnLst>
+                                </p:cTn>
+                              </p:par>
+                            </p:childTnLst>
+                          </p:cTn>
+                        </p:par>
+                      </p:childTnLst>
+                    </p:cTn>
+                  </p:par>
+                  <p:par>
+                    <p:cTn id="15" fill="hold">
+                      <p:stCondLst>
+                        <p:cond delay="indefinite"/>
+                      </p:stCondLst>
+                      <p:childTnLst>
+                        <p:par>
+                          <p:cTn id="16" fill="hold">
+                            <p:stCondLst>
+                              <p:cond delay="0"/>
+                            </p:stCondLst>
+                            <p:childTnLst>
+                              <p:par>
+                                <p:cTn id="17" presetID="1" presetClass="entr" presetSubtype="0" fill="hold" grpId="0" nodeType="clickEffect">
+                                  <p:stCondLst>
+                                    <p:cond delay="0"/>
+                                  </p:stCondLst>
+                                  <p:childTnLst>
+                                    <p:set>
+                                      <p:cBhvr>
+                                        <p:cTn id="18" dur="1" fill="hold">
+                                          <p:stCondLst>
+                                            <p:cond delay="0"/>
+                                          </p:stCondLst>
+                                        </p:cTn>
+                                        <p:tgtEl>
+                                          <p:spTgt spid="6"/>
+                                        </p:tgtEl>
+                                        <p:attrNameLst>
+                                          <p:attrName>style.visibility</p:attrName>
+                                        </p:attrNameLst>
+                                      </p:cBhvr>
+                                      <p:to>
+                                        <p:strVal val="visible"/>
+                                      </p:to>
+                                    </p:set>
+                                  </p:childTnLst>
+                                </p:cTn>
+                              </p:par>
+                            </p:childTnLst>
+                          </p:cTn>
+                        </p:par>
+                      </p:childTnLst>
+                    </p:cTn>
+                  </p:par>
+                </p:childTnLst>
+              </p:cTn>
+              <p:prevCondLst>
+                <p:cond evt="onPrev" delay="0">
+                  <p:tgtEl>
+                    <p:sldTgt/>
+                  </p:tgtEl>
+                </p:cond>
+              </p:prevCondLst>
+              <p:nextCondLst>
+                <p:cond evt="onNext" delay="0">
+                  <p:tgtEl>
+                    <p:sldTgt/>
+                  </p:tgtEl>
+                </p:cond>
+              </p:nextCondLst>
+            </p:seq>
+          </p:childTnLst>
+        </p:cTn>
+      </p:par>
+    </p:tnLst>
+    <p:bldLst>
+      <p:bldP spid="3" grpId="0" build="p"/>
+      <p:bldP spid="6" grpId="0"/>
+    </p:bldLst>
+  </p:timing>
+</p:sld>
+</file>
+
+<file path=ppt/slides/slide56.xml><?xml version="1.0" encoding="utf-8"?>
+<p:sld xmlns:a="http://schemas.openxmlformats.org/drawingml/2006/main" xmlns:r="http://schemas.openxmlformats.org/officeDocument/2006/relationships" xmlns:p="http://schemas.openxmlformats.org/presentationml/2006/main">
+  <p:cSld>
+    <p:spTree>
+      <p:nvGrpSpPr>
+        <p:cNvPr id="1" name=""/>
+        <p:cNvGrpSpPr/>
+        <p:nvPr/>
+      </p:nvGrpSpPr>
+      <p:grpSpPr>
+        <a:xfrm>
+          <a:off x="0" y="0"/>
+          <a:ext cx="0" cy="0"/>
+          <a:chOff x="0" y="0"/>
+          <a:chExt cx="0" cy="0"/>
+        </a:xfrm>
+      </p:grpSpPr>
+      <p:sp>
+        <p:nvSpPr>
+          <p:cNvPr id="2" name="Title 1"/>
+          <p:cNvSpPr>
+            <a:spLocks noGrp="1"/>
+          </p:cNvSpPr>
+          <p:nvPr>
             <p:ph type="ctrTitle"/>
           </p:nvPr>
         </p:nvSpPr>
@@ -29312,7 +30274,7 @@
 </p:sld>
 </file>
 
-<file path=ppt/slides/slide56.xml><?xml version="1.0" encoding="utf-8"?>
+<file path=ppt/slides/slide57.xml><?xml version="1.0" encoding="utf-8"?>
 <p:sld xmlns:a="http://schemas.openxmlformats.org/drawingml/2006/main" xmlns:r="http://schemas.openxmlformats.org/officeDocument/2006/relationships" xmlns:p="http://schemas.openxmlformats.org/presentationml/2006/main">
   <p:cSld>
     <p:spTree>
@@ -29792,7 +30754,7 @@
 </p:sld>
 </file>
 
-<file path=ppt/slides/slide57.xml><?xml version="1.0" encoding="utf-8"?>
+<file path=ppt/slides/slide58.xml><?xml version="1.0" encoding="utf-8"?>
 <p:sld xmlns:a="http://schemas.openxmlformats.org/drawingml/2006/main" xmlns:r="http://schemas.openxmlformats.org/officeDocument/2006/relationships" xmlns:p="http://schemas.openxmlformats.org/presentationml/2006/main">
   <p:cSld>
     <p:spTree>
@@ -29814,7 +30776,7 @@
           <p:cNvPr id="2" name="Title 1">
             <a:extLst>
               <a:ext uri="{FF2B5EF4-FFF2-40B4-BE49-F238E27FC236}">
-                <a16:creationId xmlns:a16="http://schemas.microsoft.com/office/drawing/2014/main" xmlns="" id="{64FC46BD-FCD3-4070-A2FE-CF068D21089D}"/>
+                <a16:creationId xmlns="" xmlns:a16="http://schemas.microsoft.com/office/drawing/2014/main" id="{64FC46BD-FCD3-4070-A2FE-CF068D21089D}"/>
               </a:ext>
             </a:extLst>
           </p:cNvPr>
@@ -29855,7 +30817,7 @@
               <p:cNvPr id="3" name="Content Placeholder 2">
                 <a:extLst>
                   <a:ext uri="{FF2B5EF4-FFF2-40B4-BE49-F238E27FC236}">
-                    <a16:creationId xmlns:a16="http://schemas.microsoft.com/office/drawing/2014/main" xmlns="" id="{8FD3E7E3-6406-4C87-9E06-5BA40AA66E22}"/>
+                    <a16:creationId xmlns="" xmlns:a16="http://schemas.microsoft.com/office/drawing/2014/main" id="{8FD3E7E3-6406-4C87-9E06-5BA40AA66E22}"/>
                   </a:ext>
                 </a:extLst>
               </p:cNvPr>
@@ -29966,7 +30928,7 @@
               <p:cNvPr id="4" name="Content Placeholder 2">
                 <a:extLst>
                   <a:ext uri="{FF2B5EF4-FFF2-40B4-BE49-F238E27FC236}">
-                    <a16:creationId xmlns:a16="http://schemas.microsoft.com/office/drawing/2014/main" xmlns="" id="{8FD3E7E3-6406-4C87-9E06-5BA40AA66E22}"/>
+                    <a16:creationId xmlns="" xmlns:a16="http://schemas.microsoft.com/office/drawing/2014/main" id="{8FD3E7E3-6406-4C87-9E06-5BA40AA66E22}"/>
                   </a:ext>
                 </a:extLst>
               </p:cNvPr>
@@ -30259,7 +31221,7 @@
               <p:cNvPr id="5" name="Content Placeholder 2">
                 <a:extLst>
                   <a:ext uri="{FF2B5EF4-FFF2-40B4-BE49-F238E27FC236}">
-                    <a16:creationId xmlns:a16="http://schemas.microsoft.com/office/drawing/2014/main" xmlns="" id="{8FD3E7E3-6406-4C87-9E06-5BA40AA66E22}"/>
+                    <a16:creationId xmlns="" xmlns:a16="http://schemas.microsoft.com/office/drawing/2014/main" id="{8FD3E7E3-6406-4C87-9E06-5BA40AA66E22}"/>
                   </a:ext>
                 </a:extLst>
               </p:cNvPr>
@@ -30554,7 +31516,7 @@
               <p:cNvPr id="6" name="Content Placeholder 2">
                 <a:extLst>
                   <a:ext uri="{FF2B5EF4-FFF2-40B4-BE49-F238E27FC236}">
-                    <a16:creationId xmlns:a16="http://schemas.microsoft.com/office/drawing/2014/main" xmlns="" id="{8FD3E7E3-6406-4C87-9E06-5BA40AA66E22}"/>
+                    <a16:creationId xmlns="" xmlns:a16="http://schemas.microsoft.com/office/drawing/2014/main" id="{8FD3E7E3-6406-4C87-9E06-5BA40AA66E22}"/>
                   </a:ext>
                 </a:extLst>
               </p:cNvPr>
@@ -30849,7 +31811,7 @@
               <p:cNvPr id="7" name="Content Placeholder 2">
                 <a:extLst>
                   <a:ext uri="{FF2B5EF4-FFF2-40B4-BE49-F238E27FC236}">
-                    <a16:creationId xmlns:a16="http://schemas.microsoft.com/office/drawing/2014/main" xmlns="" id="{8FD3E7E3-6406-4C87-9E06-5BA40AA66E22}"/>
+                    <a16:creationId xmlns="" xmlns:a16="http://schemas.microsoft.com/office/drawing/2014/main" id="{8FD3E7E3-6406-4C87-9E06-5BA40AA66E22}"/>
                   </a:ext>
                 </a:extLst>
               </p:cNvPr>
@@ -31351,7 +32313,7 @@
 </p:sld>
 </file>
 
-<file path=ppt/slides/slide58.xml><?xml version="1.0" encoding="utf-8"?>
+<file path=ppt/slides/slide59.xml><?xml version="1.0" encoding="utf-8"?>
 <p:sld xmlns:a="http://schemas.openxmlformats.org/drawingml/2006/main" xmlns:r="http://schemas.openxmlformats.org/officeDocument/2006/relationships" xmlns:p="http://schemas.openxmlformats.org/presentationml/2006/main">
   <p:cSld>
     <p:spTree>
@@ -31373,7 +32335,7 @@
           <p:cNvPr id="2" name="Title 1">
             <a:extLst>
               <a:ext uri="{FF2B5EF4-FFF2-40B4-BE49-F238E27FC236}">
-                <a16:creationId xmlns:a16="http://schemas.microsoft.com/office/drawing/2014/main" xmlns="" id="{64FC46BD-FCD3-4070-A2FE-CF068D21089D}"/>
+                <a16:creationId xmlns="" xmlns:a16="http://schemas.microsoft.com/office/drawing/2014/main" id="{64FC46BD-FCD3-4070-A2FE-CF068D21089D}"/>
               </a:ext>
             </a:extLst>
           </p:cNvPr>
@@ -31412,7 +32374,7 @@
           <p:cNvPr id="3" name="Content Placeholder 2">
             <a:extLst>
               <a:ext uri="{FF2B5EF4-FFF2-40B4-BE49-F238E27FC236}">
-                <a16:creationId xmlns:mc="http://schemas.openxmlformats.org/markup-compatibility/2006" xmlns:a14="http://schemas.microsoft.com/office/drawing/2010/main" xmlns:a16="http://schemas.microsoft.com/office/drawing/2014/main" xmlns="" id="{8FD3E7E3-6406-4C87-9E06-5BA40AA66E22}"/>
+                <a16:creationId xmlns="" xmlns:a16="http://schemas.microsoft.com/office/drawing/2014/main" xmlns:a14="http://schemas.microsoft.com/office/drawing/2010/main" xmlns:mc="http://schemas.openxmlformats.org/markup-compatibility/2006" id="{8FD3E7E3-6406-4C87-9E06-5BA40AA66E22}"/>
               </a:ext>
             </a:extLst>
           </p:cNvPr>
@@ -31473,7 +32435,7 @@
           <p:cNvPr id="4" name="Content Placeholder 2">
             <a:extLst>
               <a:ext uri="{FF2B5EF4-FFF2-40B4-BE49-F238E27FC236}">
-                <a16:creationId xmlns:mc="http://schemas.openxmlformats.org/markup-compatibility/2006" xmlns:a14="http://schemas.microsoft.com/office/drawing/2010/main" xmlns:a16="http://schemas.microsoft.com/office/drawing/2014/main" xmlns="" id="{8FD3E7E3-6406-4C87-9E06-5BA40AA66E22}"/>
+                <a16:creationId xmlns="" xmlns:a16="http://schemas.microsoft.com/office/drawing/2014/main" xmlns:a14="http://schemas.microsoft.com/office/drawing/2010/main" xmlns:mc="http://schemas.openxmlformats.org/markup-compatibility/2006" id="{8FD3E7E3-6406-4C87-9E06-5BA40AA66E22}"/>
               </a:ext>
             </a:extLst>
           </p:cNvPr>
@@ -31710,7 +32672,7 @@
           <p:cNvPr id="7" name="Content Placeholder 2">
             <a:extLst>
               <a:ext uri="{FF2B5EF4-FFF2-40B4-BE49-F238E27FC236}">
-                <a16:creationId xmlns:mc="http://schemas.openxmlformats.org/markup-compatibility/2006" xmlns:a14="http://schemas.microsoft.com/office/drawing/2010/main" xmlns:a16="http://schemas.microsoft.com/office/drawing/2014/main" xmlns="" id="{8FD3E7E3-6406-4C87-9E06-5BA40AA66E22}"/>
+                <a16:creationId xmlns="" xmlns:a16="http://schemas.microsoft.com/office/drawing/2014/main" xmlns:a14="http://schemas.microsoft.com/office/drawing/2010/main" xmlns:mc="http://schemas.openxmlformats.org/markup-compatibility/2006" id="{8FD3E7E3-6406-4C87-9E06-5BA40AA66E22}"/>
               </a:ext>
             </a:extLst>
           </p:cNvPr>
